--- a/２年/消費者行動と心理/消費者の行動と心理：第６回（20170525）.pptx
+++ b/２年/消費者行動と心理/消費者の行動と心理：第６回（20170525）.pptx
@@ -118,7 +118,7 @@
   </p:defaultTextStyle>
   <p:extLst>
     <p:ext uri="{EFAFB233-063F-42B5-8137-9DF3F51BA10A}">
-      <p15:sldGuideLst xmlns="" xmlns:p15="http://schemas.microsoft.com/office/powerpoint/2012/main">
+      <p15:sldGuideLst xmlns:p15="http://schemas.microsoft.com/office/powerpoint/2012/main" xmlns="">
         <p15:guide id="1" orient="horz" pos="2160">
           <p15:clr>
             <a:srgbClr val="A4A3A4"/>
@@ -4339,15 +4339,23 @@
             </a:pPr>
             <a:r>
               <a:rPr lang="ja-JP" altLang="en-US" dirty="0" smtClean="0"/>
-              <a:t>　→　「消費と生産の境界」は固定的なものではなく、消費様式の選択や消費パターンの変化　　</a:t>
-            </a:r>
-            <a:r>
-              <a:rPr lang="en-US" altLang="ja-JP" dirty="0" smtClean="0"/>
-              <a:t>		</a:t>
+              <a:t>　→　「消費と生産の境界」は固定的なものではなく、消費様式の選択や消費パターンの</a:t>
             </a:r>
             <a:r>
               <a:rPr lang="ja-JP" altLang="en-US" dirty="0" smtClean="0"/>
-              <a:t>を関連付けて捉えることにより、消費構造の変化を把握しうる</a:t>
+              <a:t>変化</a:t>
+            </a:r>
+            <a:r>
+              <a:rPr lang="ja-JP" altLang="en-US" dirty="0" smtClean="0"/>
+              <a:t>ライフスタイルの変化</a:t>
+            </a:r>
+            <a:r>
+              <a:rPr lang="ja-JP" altLang="en-US" dirty="0" smtClean="0"/>
+              <a:t>を</a:t>
+            </a:r>
+            <a:r>
+              <a:rPr lang="ja-JP" altLang="en-US" dirty="0" smtClean="0"/>
+              <a:t>関連付けて捉えることにより、消費構造の変化を把握しうる</a:t>
             </a:r>
             <a:r>
               <a:rPr lang="en-US" altLang="ja-JP" dirty="0" smtClean="0"/>
@@ -6136,7 +6144,7 @@
               <a:rPr kumimoji="1" lang="en-US" altLang="ja-JP" sz="4400" dirty="0" smtClean="0"/>
             </a:br>
             <a:r>
-              <a:rPr lang="ja-JP" altLang="en-US" sz="3200" dirty="0">
+              <a:rPr lang="ja-JP" altLang="en-US" sz="3200" dirty="0" smtClean="0">
                 <a:solidFill>
                   <a:srgbClr val="00B0F0"/>
                 </a:solidFill>
@@ -6200,7 +6208,15 @@
             </a:r>
             <a:r>
               <a:rPr lang="ja-JP" altLang="en-US" sz="2200" dirty="0" smtClean="0"/>
-              <a:t>時間○○的</a:t>
+              <a:t>時間</a:t>
+            </a:r>
+            <a:r>
+              <a:rPr lang="ja-JP" altLang="en-US" sz="2200" dirty="0" smtClean="0"/>
+              <a:t>節約</a:t>
+            </a:r>
+            <a:r>
+              <a:rPr lang="ja-JP" altLang="en-US" sz="2200" dirty="0" smtClean="0"/>
+              <a:t>的</a:t>
             </a:r>
             <a:r>
               <a:rPr lang="ja-JP" altLang="en-US" sz="2200" dirty="0"/>
@@ -6216,7 +6232,15 @@
             </a:r>
             <a:r>
               <a:rPr lang="ja-JP" altLang="en-US" sz="2200" dirty="0" smtClean="0"/>
-              <a:t>時間○○的</a:t>
+              <a:t>時間</a:t>
+            </a:r>
+            <a:r>
+              <a:rPr lang="ja-JP" altLang="en-US" sz="2200" dirty="0" smtClean="0"/>
+              <a:t>節約</a:t>
+            </a:r>
+            <a:r>
+              <a:rPr lang="ja-JP" altLang="en-US" sz="2200" dirty="0" smtClean="0"/>
+              <a:t>的</a:t>
             </a:r>
             <a:r>
               <a:rPr lang="ja-JP" altLang="en-US" sz="2200" dirty="0"/>
@@ -6248,7 +6272,15 @@
             </a:r>
             <a:r>
               <a:rPr lang="ja-JP" altLang="en-US" sz="2200" dirty="0" smtClean="0"/>
-              <a:t>の○○化</a:t>
+              <a:t>の</a:t>
+            </a:r>
+            <a:r>
+              <a:rPr lang="ja-JP" altLang="en-US" sz="2200" dirty="0" smtClean="0"/>
+              <a:t>外部</a:t>
+            </a:r>
+            <a:r>
+              <a:rPr lang="ja-JP" altLang="en-US" sz="2200" dirty="0" smtClean="0"/>
+              <a:t>化</a:t>
             </a:r>
             <a:r>
               <a:rPr lang="ja-JP" altLang="en-US" sz="2200" dirty="0"/>
@@ -6272,7 +6304,15 @@
             </a:r>
             <a:r>
               <a:rPr lang="ja-JP" altLang="en-US" sz="2200" dirty="0" smtClean="0"/>
-              <a:t>消費○○が</a:t>
+              <a:t>消費</a:t>
+            </a:r>
+            <a:r>
+              <a:rPr lang="ja-JP" altLang="en-US" sz="2200" dirty="0" smtClean="0"/>
+              <a:t>規模</a:t>
+            </a:r>
+            <a:r>
+              <a:rPr lang="ja-JP" altLang="en-US" sz="2200" dirty="0" smtClean="0"/>
+              <a:t>が</a:t>
             </a:r>
             <a:r>
               <a:rPr lang="ja-JP" altLang="en-US" sz="2200" dirty="0"/>
@@ -6288,7 +6328,15 @@
             </a:r>
             <a:r>
               <a:rPr lang="ja-JP" altLang="en-US" sz="2200" dirty="0" smtClean="0"/>
-              <a:t>：○○意識</a:t>
+              <a:t>：</a:t>
+            </a:r>
+            <a:r>
+              <a:rPr lang="ja-JP" altLang="en-US" sz="2200" dirty="0" smtClean="0"/>
+              <a:t>価値</a:t>
+            </a:r>
+            <a:r>
+              <a:rPr lang="ja-JP" altLang="en-US" sz="2200" dirty="0" smtClean="0"/>
+              <a:t>意識</a:t>
             </a:r>
             <a:r>
               <a:rPr lang="ja-JP" altLang="en-US" sz="2200" dirty="0"/>
@@ -6304,7 +6352,15 @@
             </a:r>
             <a:r>
               <a:rPr lang="ja-JP" altLang="en-US" sz="2200" dirty="0" smtClean="0"/>
-              <a:t>③○○要因</a:t>
+              <a:t>③</a:t>
+            </a:r>
+            <a:r>
+              <a:rPr lang="ja-JP" altLang="en-US" sz="2200" dirty="0" smtClean="0"/>
+              <a:t>市場</a:t>
+            </a:r>
+            <a:r>
+              <a:rPr lang="ja-JP" altLang="en-US" sz="2200" dirty="0" smtClean="0"/>
+              <a:t>要因</a:t>
             </a:r>
             <a:r>
               <a:rPr lang="ja-JP" altLang="en-US" sz="2200" dirty="0"/>
@@ -6312,7 +6368,15 @@
             </a:r>
             <a:r>
               <a:rPr lang="ja-JP" altLang="en-US" sz="2200" dirty="0" smtClean="0"/>
-              <a:t>の○○価格</a:t>
+              <a:t>の</a:t>
+            </a:r>
+            <a:r>
+              <a:rPr lang="ja-JP" altLang="en-US" sz="2200" dirty="0" smtClean="0"/>
+              <a:t>相対</a:t>
+            </a:r>
+            <a:r>
+              <a:rPr lang="ja-JP" altLang="en-US" sz="2200" dirty="0" smtClean="0"/>
+              <a:t>価格</a:t>
             </a:r>
             <a:r>
               <a:rPr lang="ja-JP" altLang="en-US" sz="2200" dirty="0"/>
@@ -11807,11 +11871,7 @@
             </a:pPr>
             <a:r>
               <a:rPr lang="ja-JP" altLang="en-US" sz="1800" dirty="0" smtClean="0"/>
-              <a:t>・組む</a:t>
-            </a:r>
-            <a:r>
-              <a:rPr lang="ja-JP" altLang="en-US" sz="1800" smtClean="0"/>
-              <a:t>ので、楽しく組みたい。</a:t>
+              <a:t>・組むので、楽しく組みたい。</a:t>
             </a:r>
             <a:endParaRPr lang="en-US" altLang="ja-JP" sz="1800" dirty="0"/>
           </a:p>
@@ -17746,12 +17806,16 @@
               <a:t>　　　　　　　　　　　　　　　</a:t>
             </a:r>
             <a:r>
-              <a:rPr lang="ja-JP" altLang="en-US" dirty="0" err="1" smtClean="0"/>
-              <a:t>ー</a:t>
+              <a:rPr lang="en-US" altLang="en-US" dirty="0" smtClean="0"/>
+              <a:t>-</a:t>
             </a:r>
             <a:r>
               <a:rPr lang="ja-JP" altLang="en-US" dirty="0" smtClean="0"/>
-              <a:t>国勢調査などの統計上の概念）</a:t>
+              <a:t>国勢</a:t>
+            </a:r>
+            <a:r>
+              <a:rPr lang="ja-JP" altLang="en-US" dirty="0" smtClean="0"/>
+              <a:t>調査などの統計上の概念）</a:t>
             </a:r>
             <a:endParaRPr lang="en-US" altLang="ja-JP" dirty="0" smtClean="0"/>
           </a:p>
@@ -22029,6 +22093,20 @@
             <a:ext cx="8229600" cy="1143000"/>
           </a:xfrm>
         </p:spPr>
+        <p:style>
+          <a:lnRef idx="2">
+            <a:schemeClr val="accent2"/>
+          </a:lnRef>
+          <a:fillRef idx="1">
+            <a:schemeClr val="lt1"/>
+          </a:fillRef>
+          <a:effectRef idx="0">
+            <a:schemeClr val="accent2"/>
+          </a:effectRef>
+          <a:fontRef idx="minor">
+            <a:schemeClr val="dk1"/>
+          </a:fontRef>
+        </p:style>
         <p:txBody>
           <a:bodyPr>
             <a:normAutofit fontScale="90000"/>
@@ -22063,6 +22141,20 @@
             <a:ext cx="8676456" cy="4968552"/>
           </a:xfrm>
         </p:spPr>
+        <p:style>
+          <a:lnRef idx="2">
+            <a:schemeClr val="accent2"/>
+          </a:lnRef>
+          <a:fillRef idx="1">
+            <a:schemeClr val="lt1"/>
+          </a:fillRef>
+          <a:effectRef idx="0">
+            <a:schemeClr val="accent2"/>
+          </a:effectRef>
+          <a:fontRef idx="minor">
+            <a:schemeClr val="dk1"/>
+          </a:fontRef>
+        </p:style>
         <p:txBody>
           <a:bodyPr>
             <a:normAutofit fontScale="47500" lnSpcReduction="20000"/>
@@ -22097,31 +22189,39 @@
             </a:pPr>
             <a:r>
               <a:rPr lang="ja-JP" altLang="en-US" dirty="0" smtClean="0"/>
-              <a:t>　→　家族の形成</a:t>
-            </a:r>
-            <a:r>
-              <a:rPr lang="ja-JP" altLang="en-US" dirty="0" err="1" smtClean="0"/>
-              <a:t>ー</a:t>
+              <a:t>　→　家族の</a:t>
+            </a:r>
+            <a:r>
+              <a:rPr lang="ja-JP" altLang="en-US" dirty="0" smtClean="0"/>
+              <a:t>形成</a:t>
+            </a:r>
+            <a:r>
+              <a:rPr lang="en-US" altLang="en-US" dirty="0"/>
+              <a:t>-</a:t>
             </a:r>
             <a:r>
               <a:rPr lang="ja-JP" altLang="en-US" dirty="0" smtClean="0"/>
               <a:t>発展</a:t>
             </a:r>
             <a:r>
-              <a:rPr lang="ja-JP" altLang="en-US" dirty="0" err="1" smtClean="0"/>
-              <a:t>ー</a:t>
+              <a:rPr lang="en-US" altLang="en-US" dirty="0"/>
+              <a:t>-</a:t>
             </a:r>
             <a:r>
               <a:rPr lang="ja-JP" altLang="en-US" dirty="0" smtClean="0"/>
               <a:t>衰退</a:t>
             </a:r>
             <a:r>
-              <a:rPr lang="ja-JP" altLang="en-US" dirty="0" err="1" smtClean="0"/>
-              <a:t>ー</a:t>
+              <a:rPr lang="en-US" altLang="en-US" dirty="0" err="1"/>
+              <a:t>-</a:t>
             </a:r>
             <a:r>
               <a:rPr lang="ja-JP" altLang="en-US" dirty="0" smtClean="0"/>
-              <a:t>消滅という規則的周期の各段階における</a:t>
+              <a:t>消滅</a:t>
+            </a:r>
+            <a:r>
+              <a:rPr lang="ja-JP" altLang="en-US" dirty="0" smtClean="0"/>
+              <a:t>という規則的周期の各段階における</a:t>
             </a:r>
             <a:endParaRPr lang="en-US" altLang="ja-JP" dirty="0" smtClean="0"/>
           </a:p>
@@ -22365,7 +22465,11 @@
             </a:r>
             <a:r>
               <a:rPr lang="ja-JP" altLang="en-US" dirty="0" smtClean="0"/>
-              <a:t>　　　進む現代社会に適した分析視点　</a:t>
+              <a:t>　　　進む現代社会に適した分析</a:t>
+            </a:r>
+            <a:r>
+              <a:rPr lang="ja-JP" altLang="en-US" dirty="0" smtClean="0"/>
+              <a:t>視点</a:t>
             </a:r>
             <a:endParaRPr lang="en-US" altLang="ja-JP" dirty="0" smtClean="0"/>
           </a:p>
@@ -22400,12 +22504,6 @@
                 <a:srgbClr val="FF0000"/>
               </a:solidFill>
             </a:endParaRPr>
-          </a:p>
-          <a:p>
-            <a:pPr marL="109728" indent="0">
-              <a:buNone/>
-            </a:pPr>
-            <a:endParaRPr kumimoji="1" lang="ja-JP" altLang="en-US" dirty="0"/>
           </a:p>
         </p:txBody>
       </p:sp>
@@ -22429,6 +22527,64 @@
               <a:t>8</a:t>
             </a:fld>
             <a:endParaRPr kumimoji="1" lang="ja-JP" altLang="en-US"/>
+          </a:p>
+        </p:txBody>
+      </p:sp>
+      <p:sp>
+        <p:nvSpPr>
+          <p:cNvPr id="6" name="テキスト ボックス 5"/>
+          <p:cNvSpPr txBox="1"/>
+          <p:nvPr/>
+        </p:nvSpPr>
+        <p:spPr>
+          <a:xfrm>
+            <a:off x="470042" y="5661248"/>
+            <a:ext cx="8676456" cy="1015663"/>
+          </a:xfrm>
+          <a:prstGeom prst="rect">
+            <a:avLst/>
+          </a:prstGeom>
+          <a:noFill/>
+        </p:spPr>
+        <p:txBody>
+          <a:bodyPr wrap="square" rtlCol="0">
+            <a:spAutoFit/>
+          </a:bodyPr>
+          <a:lstStyle/>
+          <a:p>
+            <a:r>
+              <a:rPr lang="ja-JP" altLang="en-US" sz="1200" dirty="0" smtClean="0"/>
+              <a:t>ライフコース</a:t>
+            </a:r>
+            <a:r>
+              <a:rPr lang="ja-JP" altLang="en-US" sz="1200" dirty="0"/>
+              <a:t>とは、個人の人生の道筋のことであり、ライフイベントごとの選択結果により多様化を生じさせるとされています。</a:t>
+            </a:r>
+          </a:p>
+          <a:p>
+            <a:r>
+              <a:rPr lang="ja-JP" altLang="en-US" sz="1200" dirty="0"/>
+              <a:t>殊に近年は価値観の多様化などにより、ライフコースも多様化しており</a:t>
+            </a:r>
+          </a:p>
+          <a:p>
+            <a:r>
+              <a:rPr lang="ja-JP" altLang="en-US" sz="1200" dirty="0"/>
+              <a:t>過去問では、</a:t>
+            </a:r>
+          </a:p>
+          <a:p>
+            <a:r>
+              <a:rPr lang="ja-JP" altLang="en-US" sz="1200" dirty="0"/>
+              <a:t>「選択の多様化によって社会人教育や婚活など新たな消費機会が生まれる」</a:t>
+            </a:r>
+          </a:p>
+          <a:p>
+            <a:r>
+              <a:rPr lang="ja-JP" altLang="en-US" sz="1200" dirty="0"/>
+              <a:t>など、消費行動に影響を及ぼすものとして記述されています。</a:t>
+            </a:r>
+            <a:endParaRPr kumimoji="1" lang="ja-JP" altLang="en-US" sz="1200" dirty="0"/>
           </a:p>
         </p:txBody>
       </p:sp>
